--- a/ppt 16-9/0185.马槽颂.pptx
+++ b/ppt 16-9/0185.马槽颂.pptx
@@ -129,7 +129,7 @@
           <p:cNvPr id="2" name="标题 1">
             <a:extLst>
               <a:ext uri="{FF2B5EF4-FFF2-40B4-BE49-F238E27FC236}">
-                <a16:creationId xmlns:a16="http://schemas.microsoft.com/office/drawing/2014/main" id="{417E9174-1414-637E-0945-57BCD8D9FAC1}"/>
+                <a16:creationId xmlns:a16="http://schemas.microsoft.com/office/drawing/2014/main" id="{3B2F52F6-1A40-6FEC-CB2D-E4322803A361}"/>
               </a:ext>
             </a:extLst>
           </p:cNvPr>
@@ -166,7 +166,7 @@
           <p:cNvPr id="3" name="副标题 2">
             <a:extLst>
               <a:ext uri="{FF2B5EF4-FFF2-40B4-BE49-F238E27FC236}">
-                <a16:creationId xmlns:a16="http://schemas.microsoft.com/office/drawing/2014/main" id="{EAFE2CB0-0FE6-9A56-5EB8-2A0665A06FE3}"/>
+                <a16:creationId xmlns:a16="http://schemas.microsoft.com/office/drawing/2014/main" id="{4A7AA8FD-BCCF-2EA7-FF73-BAEC35BE1E4F}"/>
               </a:ext>
             </a:extLst>
           </p:cNvPr>
@@ -236,7 +236,7 @@
           <p:cNvPr id="4" name="日期占位符 3">
             <a:extLst>
               <a:ext uri="{FF2B5EF4-FFF2-40B4-BE49-F238E27FC236}">
-                <a16:creationId xmlns:a16="http://schemas.microsoft.com/office/drawing/2014/main" id="{6BB6D933-F41A-3ED9-FD61-3897A9B922DE}"/>
+                <a16:creationId xmlns:a16="http://schemas.microsoft.com/office/drawing/2014/main" id="{CCCB8952-7680-EC3C-A466-7EF600C98C7A}"/>
               </a:ext>
             </a:extLst>
           </p:cNvPr>
@@ -252,7 +252,7 @@
           <a:bodyPr/>
           <a:lstStyle/>
           <a:p>
-            <a:fld id="{B60FD099-CF91-40FE-881E-FCBEC10D886F}" type="datetimeFigureOut">
+            <a:fld id="{7B52EA95-32DE-422A-BF43-6F5334E5691E}" type="datetimeFigureOut">
               <a:rPr lang="zh-CN" altLang="en-US" smtClean="0"/>
               <a:t>2024/3/10</a:t>
             </a:fld>
@@ -265,7 +265,7 @@
           <p:cNvPr id="5" name="页脚占位符 4">
             <a:extLst>
               <a:ext uri="{FF2B5EF4-FFF2-40B4-BE49-F238E27FC236}">
-                <a16:creationId xmlns:a16="http://schemas.microsoft.com/office/drawing/2014/main" id="{4BB51B11-919B-2B52-4F90-CF03A3A3FCCF}"/>
+                <a16:creationId xmlns:a16="http://schemas.microsoft.com/office/drawing/2014/main" id="{705CF30D-D0B9-F4F2-B2EB-428AB741C287}"/>
               </a:ext>
             </a:extLst>
           </p:cNvPr>
@@ -290,7 +290,7 @@
           <p:cNvPr id="6" name="灯片编号占位符 5">
             <a:extLst>
               <a:ext uri="{FF2B5EF4-FFF2-40B4-BE49-F238E27FC236}">
-                <a16:creationId xmlns:a16="http://schemas.microsoft.com/office/drawing/2014/main" id="{3DF2F2BA-8CD3-A7EB-9770-34B7A404CE47}"/>
+                <a16:creationId xmlns:a16="http://schemas.microsoft.com/office/drawing/2014/main" id="{F1D1D71D-EAEC-6AAF-B227-39CEC37B7087}"/>
               </a:ext>
             </a:extLst>
           </p:cNvPr>
@@ -306,7 +306,7 @@
           <a:bodyPr/>
           <a:lstStyle/>
           <a:p>
-            <a:fld id="{BF960D90-E251-4E7A-9CDA-B9044989E72D}" type="slidenum">
+            <a:fld id="{A4239910-6083-4D39-AD30-535B8B94CD1F}" type="slidenum">
               <a:rPr lang="zh-CN" altLang="en-US" smtClean="0"/>
               <a:t>‹#›</a:t>
             </a:fld>
@@ -317,7 +317,7 @@
     </p:spTree>
     <p:extLst>
       <p:ext uri="{BB962C8B-B14F-4D97-AF65-F5344CB8AC3E}">
-        <p14:creationId xmlns:p14="http://schemas.microsoft.com/office/powerpoint/2010/main" val="177968488"/>
+        <p14:creationId xmlns:p14="http://schemas.microsoft.com/office/powerpoint/2010/main" val="1332361809"/>
       </p:ext>
     </p:extLst>
   </p:cSld>
@@ -349,7 +349,7 @@
           <p:cNvPr id="2" name="标题 1">
             <a:extLst>
               <a:ext uri="{FF2B5EF4-FFF2-40B4-BE49-F238E27FC236}">
-                <a16:creationId xmlns:a16="http://schemas.microsoft.com/office/drawing/2014/main" id="{695C399A-12DA-73EA-BFE6-C6D7BAE79FB7}"/>
+                <a16:creationId xmlns:a16="http://schemas.microsoft.com/office/drawing/2014/main" id="{F7BCB9D4-58B5-A2FB-A4A1-81BBF2D945E7}"/>
               </a:ext>
             </a:extLst>
           </p:cNvPr>
@@ -377,7 +377,7 @@
           <p:cNvPr id="3" name="竖排文字占位符 2">
             <a:extLst>
               <a:ext uri="{FF2B5EF4-FFF2-40B4-BE49-F238E27FC236}">
-                <a16:creationId xmlns:a16="http://schemas.microsoft.com/office/drawing/2014/main" id="{7B6E3AC5-C51E-E8ED-9654-B178D360AB44}"/>
+                <a16:creationId xmlns:a16="http://schemas.microsoft.com/office/drawing/2014/main" id="{34220FE1-0EAF-1253-721F-5DF878C7E421}"/>
               </a:ext>
             </a:extLst>
           </p:cNvPr>
@@ -434,7 +434,7 @@
           <p:cNvPr id="4" name="日期占位符 3">
             <a:extLst>
               <a:ext uri="{FF2B5EF4-FFF2-40B4-BE49-F238E27FC236}">
-                <a16:creationId xmlns:a16="http://schemas.microsoft.com/office/drawing/2014/main" id="{A38786AE-6B4E-7E8F-EF43-82DAD6368438}"/>
+                <a16:creationId xmlns:a16="http://schemas.microsoft.com/office/drawing/2014/main" id="{CD64025D-FC3A-1944-9A1A-FD7DD2517F8A}"/>
               </a:ext>
             </a:extLst>
           </p:cNvPr>
@@ -450,7 +450,7 @@
           <a:bodyPr/>
           <a:lstStyle/>
           <a:p>
-            <a:fld id="{B60FD099-CF91-40FE-881E-FCBEC10D886F}" type="datetimeFigureOut">
+            <a:fld id="{7B52EA95-32DE-422A-BF43-6F5334E5691E}" type="datetimeFigureOut">
               <a:rPr lang="zh-CN" altLang="en-US" smtClean="0"/>
               <a:t>2024/3/10</a:t>
             </a:fld>
@@ -463,7 +463,7 @@
           <p:cNvPr id="5" name="页脚占位符 4">
             <a:extLst>
               <a:ext uri="{FF2B5EF4-FFF2-40B4-BE49-F238E27FC236}">
-                <a16:creationId xmlns:a16="http://schemas.microsoft.com/office/drawing/2014/main" id="{C6065754-384E-C157-2ABA-0D98E43EFB5F}"/>
+                <a16:creationId xmlns:a16="http://schemas.microsoft.com/office/drawing/2014/main" id="{50AF443D-4ADE-E72F-20C3-6FEEE4ECA0F7}"/>
               </a:ext>
             </a:extLst>
           </p:cNvPr>
@@ -488,7 +488,7 @@
           <p:cNvPr id="6" name="灯片编号占位符 5">
             <a:extLst>
               <a:ext uri="{FF2B5EF4-FFF2-40B4-BE49-F238E27FC236}">
-                <a16:creationId xmlns:a16="http://schemas.microsoft.com/office/drawing/2014/main" id="{F2AA6222-1815-ED93-604C-D4C86178CE93}"/>
+                <a16:creationId xmlns:a16="http://schemas.microsoft.com/office/drawing/2014/main" id="{75A4B690-9178-3919-ED89-44160A5C8DF1}"/>
               </a:ext>
             </a:extLst>
           </p:cNvPr>
@@ -504,7 +504,7 @@
           <a:bodyPr/>
           <a:lstStyle/>
           <a:p>
-            <a:fld id="{BF960D90-E251-4E7A-9CDA-B9044989E72D}" type="slidenum">
+            <a:fld id="{A4239910-6083-4D39-AD30-535B8B94CD1F}" type="slidenum">
               <a:rPr lang="zh-CN" altLang="en-US" smtClean="0"/>
               <a:t>‹#›</a:t>
             </a:fld>
@@ -515,7 +515,7 @@
     </p:spTree>
     <p:extLst>
       <p:ext uri="{BB962C8B-B14F-4D97-AF65-F5344CB8AC3E}">
-        <p14:creationId xmlns:p14="http://schemas.microsoft.com/office/powerpoint/2010/main" val="4190554974"/>
+        <p14:creationId xmlns:p14="http://schemas.microsoft.com/office/powerpoint/2010/main" val="1462394054"/>
       </p:ext>
     </p:extLst>
   </p:cSld>
@@ -547,7 +547,7 @@
           <p:cNvPr id="2" name="竖排标题 1">
             <a:extLst>
               <a:ext uri="{FF2B5EF4-FFF2-40B4-BE49-F238E27FC236}">
-                <a16:creationId xmlns:a16="http://schemas.microsoft.com/office/drawing/2014/main" id="{9EB8536F-005C-00A6-51FF-A092E1C460E0}"/>
+                <a16:creationId xmlns:a16="http://schemas.microsoft.com/office/drawing/2014/main" id="{2F4ABA24-0113-D5F7-18D0-F06A54914DB0}"/>
               </a:ext>
             </a:extLst>
           </p:cNvPr>
@@ -580,7 +580,7 @@
           <p:cNvPr id="3" name="竖排文字占位符 2">
             <a:extLst>
               <a:ext uri="{FF2B5EF4-FFF2-40B4-BE49-F238E27FC236}">
-                <a16:creationId xmlns:a16="http://schemas.microsoft.com/office/drawing/2014/main" id="{1B9CE6EE-0300-24BD-2C2E-6C30A6305E7D}"/>
+                <a16:creationId xmlns:a16="http://schemas.microsoft.com/office/drawing/2014/main" id="{7EB8BFFB-21CA-38B6-25FE-F884AFAB40EF}"/>
               </a:ext>
             </a:extLst>
           </p:cNvPr>
@@ -642,7 +642,7 @@
           <p:cNvPr id="4" name="日期占位符 3">
             <a:extLst>
               <a:ext uri="{FF2B5EF4-FFF2-40B4-BE49-F238E27FC236}">
-                <a16:creationId xmlns:a16="http://schemas.microsoft.com/office/drawing/2014/main" id="{57BC5204-4442-6610-BB56-677A3F36F0B5}"/>
+                <a16:creationId xmlns:a16="http://schemas.microsoft.com/office/drawing/2014/main" id="{47B9491A-11CF-0469-7708-775E2156BA8F}"/>
               </a:ext>
             </a:extLst>
           </p:cNvPr>
@@ -658,7 +658,7 @@
           <a:bodyPr/>
           <a:lstStyle/>
           <a:p>
-            <a:fld id="{B60FD099-CF91-40FE-881E-FCBEC10D886F}" type="datetimeFigureOut">
+            <a:fld id="{7B52EA95-32DE-422A-BF43-6F5334E5691E}" type="datetimeFigureOut">
               <a:rPr lang="zh-CN" altLang="en-US" smtClean="0"/>
               <a:t>2024/3/10</a:t>
             </a:fld>
@@ -671,7 +671,7 @@
           <p:cNvPr id="5" name="页脚占位符 4">
             <a:extLst>
               <a:ext uri="{FF2B5EF4-FFF2-40B4-BE49-F238E27FC236}">
-                <a16:creationId xmlns:a16="http://schemas.microsoft.com/office/drawing/2014/main" id="{C16E8986-20FF-FE49-7839-2E58869CDC0E}"/>
+                <a16:creationId xmlns:a16="http://schemas.microsoft.com/office/drawing/2014/main" id="{A3DFE529-46AE-3E6F-9CA5-16EB84C73690}"/>
               </a:ext>
             </a:extLst>
           </p:cNvPr>
@@ -696,7 +696,7 @@
           <p:cNvPr id="6" name="灯片编号占位符 5">
             <a:extLst>
               <a:ext uri="{FF2B5EF4-FFF2-40B4-BE49-F238E27FC236}">
-                <a16:creationId xmlns:a16="http://schemas.microsoft.com/office/drawing/2014/main" id="{30B73BED-40BC-2A2C-8945-7CE3566094C7}"/>
+                <a16:creationId xmlns:a16="http://schemas.microsoft.com/office/drawing/2014/main" id="{2E162BBC-5089-C1B7-755A-1BE3F3B5A2D2}"/>
               </a:ext>
             </a:extLst>
           </p:cNvPr>
@@ -712,7 +712,7 @@
           <a:bodyPr/>
           <a:lstStyle/>
           <a:p>
-            <a:fld id="{BF960D90-E251-4E7A-9CDA-B9044989E72D}" type="slidenum">
+            <a:fld id="{A4239910-6083-4D39-AD30-535B8B94CD1F}" type="slidenum">
               <a:rPr lang="zh-CN" altLang="en-US" smtClean="0"/>
               <a:t>‹#›</a:t>
             </a:fld>
@@ -723,7 +723,7 @@
     </p:spTree>
     <p:extLst>
       <p:ext uri="{BB962C8B-B14F-4D97-AF65-F5344CB8AC3E}">
-        <p14:creationId xmlns:p14="http://schemas.microsoft.com/office/powerpoint/2010/main" val="205870369"/>
+        <p14:creationId xmlns:p14="http://schemas.microsoft.com/office/powerpoint/2010/main" val="2411361289"/>
       </p:ext>
     </p:extLst>
   </p:cSld>
@@ -755,7 +755,7 @@
           <p:cNvPr id="2" name="标题 1">
             <a:extLst>
               <a:ext uri="{FF2B5EF4-FFF2-40B4-BE49-F238E27FC236}">
-                <a16:creationId xmlns:a16="http://schemas.microsoft.com/office/drawing/2014/main" id="{E454E7A1-ACB7-6437-A314-12D0447B6842}"/>
+                <a16:creationId xmlns:a16="http://schemas.microsoft.com/office/drawing/2014/main" id="{C9269C11-EBFA-FFB8-2296-819ED1CA0CD8}"/>
               </a:ext>
             </a:extLst>
           </p:cNvPr>
@@ -783,7 +783,7 @@
           <p:cNvPr id="3" name="内容占位符 2">
             <a:extLst>
               <a:ext uri="{FF2B5EF4-FFF2-40B4-BE49-F238E27FC236}">
-                <a16:creationId xmlns:a16="http://schemas.microsoft.com/office/drawing/2014/main" id="{3B4EF169-10EE-29F4-F1DA-A9AA5FE913EB}"/>
+                <a16:creationId xmlns:a16="http://schemas.microsoft.com/office/drawing/2014/main" id="{A69579EA-265C-9925-BA20-9C038A40024C}"/>
               </a:ext>
             </a:extLst>
           </p:cNvPr>
@@ -840,7 +840,7 @@
           <p:cNvPr id="4" name="日期占位符 3">
             <a:extLst>
               <a:ext uri="{FF2B5EF4-FFF2-40B4-BE49-F238E27FC236}">
-                <a16:creationId xmlns:a16="http://schemas.microsoft.com/office/drawing/2014/main" id="{5CE99407-5616-BA25-B413-FB8BD4A34AB9}"/>
+                <a16:creationId xmlns:a16="http://schemas.microsoft.com/office/drawing/2014/main" id="{576AD00E-A858-637B-23CF-EC9CFB78B32D}"/>
               </a:ext>
             </a:extLst>
           </p:cNvPr>
@@ -856,7 +856,7 @@
           <a:bodyPr/>
           <a:lstStyle/>
           <a:p>
-            <a:fld id="{B60FD099-CF91-40FE-881E-FCBEC10D886F}" type="datetimeFigureOut">
+            <a:fld id="{7B52EA95-32DE-422A-BF43-6F5334E5691E}" type="datetimeFigureOut">
               <a:rPr lang="zh-CN" altLang="en-US" smtClean="0"/>
               <a:t>2024/3/10</a:t>
             </a:fld>
@@ -869,7 +869,7 @@
           <p:cNvPr id="5" name="页脚占位符 4">
             <a:extLst>
               <a:ext uri="{FF2B5EF4-FFF2-40B4-BE49-F238E27FC236}">
-                <a16:creationId xmlns:a16="http://schemas.microsoft.com/office/drawing/2014/main" id="{9FFCA322-26BD-747E-E0B2-E93A4DEE56C1}"/>
+                <a16:creationId xmlns:a16="http://schemas.microsoft.com/office/drawing/2014/main" id="{C9032D38-DD1F-365E-F2E1-64FF2FA3B90E}"/>
               </a:ext>
             </a:extLst>
           </p:cNvPr>
@@ -894,7 +894,7 @@
           <p:cNvPr id="6" name="灯片编号占位符 5">
             <a:extLst>
               <a:ext uri="{FF2B5EF4-FFF2-40B4-BE49-F238E27FC236}">
-                <a16:creationId xmlns:a16="http://schemas.microsoft.com/office/drawing/2014/main" id="{B62C9451-67FD-1228-2322-42D5E3EB5BBD}"/>
+                <a16:creationId xmlns:a16="http://schemas.microsoft.com/office/drawing/2014/main" id="{0391775D-D933-A9A7-F115-AB3893079466}"/>
               </a:ext>
             </a:extLst>
           </p:cNvPr>
@@ -910,7 +910,7 @@
           <a:bodyPr/>
           <a:lstStyle/>
           <a:p>
-            <a:fld id="{BF960D90-E251-4E7A-9CDA-B9044989E72D}" type="slidenum">
+            <a:fld id="{A4239910-6083-4D39-AD30-535B8B94CD1F}" type="slidenum">
               <a:rPr lang="zh-CN" altLang="en-US" smtClean="0"/>
               <a:t>‹#›</a:t>
             </a:fld>
@@ -921,7 +921,7 @@
     </p:spTree>
     <p:extLst>
       <p:ext uri="{BB962C8B-B14F-4D97-AF65-F5344CB8AC3E}">
-        <p14:creationId xmlns:p14="http://schemas.microsoft.com/office/powerpoint/2010/main" val="238918387"/>
+        <p14:creationId xmlns:p14="http://schemas.microsoft.com/office/powerpoint/2010/main" val="184177120"/>
       </p:ext>
     </p:extLst>
   </p:cSld>
@@ -953,7 +953,7 @@
           <p:cNvPr id="2" name="标题 1">
             <a:extLst>
               <a:ext uri="{FF2B5EF4-FFF2-40B4-BE49-F238E27FC236}">
-                <a16:creationId xmlns:a16="http://schemas.microsoft.com/office/drawing/2014/main" id="{09E3C8F9-1777-DBF9-861D-A9B50D7D62C3}"/>
+                <a16:creationId xmlns:a16="http://schemas.microsoft.com/office/drawing/2014/main" id="{0A797950-534F-C894-D08E-C40B234D6663}"/>
               </a:ext>
             </a:extLst>
           </p:cNvPr>
@@ -990,7 +990,7 @@
           <p:cNvPr id="3" name="文本占位符 2">
             <a:extLst>
               <a:ext uri="{FF2B5EF4-FFF2-40B4-BE49-F238E27FC236}">
-                <a16:creationId xmlns:a16="http://schemas.microsoft.com/office/drawing/2014/main" id="{81C46E8E-1AF1-42DA-DACD-EA14A159EB10}"/>
+                <a16:creationId xmlns:a16="http://schemas.microsoft.com/office/drawing/2014/main" id="{42FA0A58-AC8A-6D43-43F6-244ACA19111A}"/>
               </a:ext>
             </a:extLst>
           </p:cNvPr>
@@ -1115,7 +1115,7 @@
           <p:cNvPr id="4" name="日期占位符 3">
             <a:extLst>
               <a:ext uri="{FF2B5EF4-FFF2-40B4-BE49-F238E27FC236}">
-                <a16:creationId xmlns:a16="http://schemas.microsoft.com/office/drawing/2014/main" id="{B6982322-0BD9-42C6-F870-2EA5AAA2499F}"/>
+                <a16:creationId xmlns:a16="http://schemas.microsoft.com/office/drawing/2014/main" id="{AB33AB0F-7DB7-2A40-50AF-6A5475AEB03C}"/>
               </a:ext>
             </a:extLst>
           </p:cNvPr>
@@ -1131,7 +1131,7 @@
           <a:bodyPr/>
           <a:lstStyle/>
           <a:p>
-            <a:fld id="{B60FD099-CF91-40FE-881E-FCBEC10D886F}" type="datetimeFigureOut">
+            <a:fld id="{7B52EA95-32DE-422A-BF43-6F5334E5691E}" type="datetimeFigureOut">
               <a:rPr lang="zh-CN" altLang="en-US" smtClean="0"/>
               <a:t>2024/3/10</a:t>
             </a:fld>
@@ -1144,7 +1144,7 @@
           <p:cNvPr id="5" name="页脚占位符 4">
             <a:extLst>
               <a:ext uri="{FF2B5EF4-FFF2-40B4-BE49-F238E27FC236}">
-                <a16:creationId xmlns:a16="http://schemas.microsoft.com/office/drawing/2014/main" id="{2B638439-57EF-6FE2-912D-7D583A995B9B}"/>
+                <a16:creationId xmlns:a16="http://schemas.microsoft.com/office/drawing/2014/main" id="{7F8A74F9-44C6-20B1-568F-27476F32A65E}"/>
               </a:ext>
             </a:extLst>
           </p:cNvPr>
@@ -1169,7 +1169,7 @@
           <p:cNvPr id="6" name="灯片编号占位符 5">
             <a:extLst>
               <a:ext uri="{FF2B5EF4-FFF2-40B4-BE49-F238E27FC236}">
-                <a16:creationId xmlns:a16="http://schemas.microsoft.com/office/drawing/2014/main" id="{869F879B-F590-3FBC-AE29-47049E1EC7F0}"/>
+                <a16:creationId xmlns:a16="http://schemas.microsoft.com/office/drawing/2014/main" id="{3DD52658-A2C4-CF36-B76D-4AD59F0116B4}"/>
               </a:ext>
             </a:extLst>
           </p:cNvPr>
@@ -1185,7 +1185,7 @@
           <a:bodyPr/>
           <a:lstStyle/>
           <a:p>
-            <a:fld id="{BF960D90-E251-4E7A-9CDA-B9044989E72D}" type="slidenum">
+            <a:fld id="{A4239910-6083-4D39-AD30-535B8B94CD1F}" type="slidenum">
               <a:rPr lang="zh-CN" altLang="en-US" smtClean="0"/>
               <a:t>‹#›</a:t>
             </a:fld>
@@ -1196,7 +1196,7 @@
     </p:spTree>
     <p:extLst>
       <p:ext uri="{BB962C8B-B14F-4D97-AF65-F5344CB8AC3E}">
-        <p14:creationId xmlns:p14="http://schemas.microsoft.com/office/powerpoint/2010/main" val="1004561019"/>
+        <p14:creationId xmlns:p14="http://schemas.microsoft.com/office/powerpoint/2010/main" val="1040002351"/>
       </p:ext>
     </p:extLst>
   </p:cSld>
@@ -1228,7 +1228,7 @@
           <p:cNvPr id="2" name="标题 1">
             <a:extLst>
               <a:ext uri="{FF2B5EF4-FFF2-40B4-BE49-F238E27FC236}">
-                <a16:creationId xmlns:a16="http://schemas.microsoft.com/office/drawing/2014/main" id="{AA927379-ABA9-2A3A-70A3-53FD3073CEBD}"/>
+                <a16:creationId xmlns:a16="http://schemas.microsoft.com/office/drawing/2014/main" id="{DDDAF7D0-8D3E-411E-C357-F030DD1BA442}"/>
               </a:ext>
             </a:extLst>
           </p:cNvPr>
@@ -1256,7 +1256,7 @@
           <p:cNvPr id="3" name="内容占位符 2">
             <a:extLst>
               <a:ext uri="{FF2B5EF4-FFF2-40B4-BE49-F238E27FC236}">
-                <a16:creationId xmlns:a16="http://schemas.microsoft.com/office/drawing/2014/main" id="{49435EA7-2ABE-958A-6144-505ACFF89A01}"/>
+                <a16:creationId xmlns:a16="http://schemas.microsoft.com/office/drawing/2014/main" id="{28B8AF84-B3F0-B0A2-7AAA-12C048D3089B}"/>
               </a:ext>
             </a:extLst>
           </p:cNvPr>
@@ -1318,7 +1318,7 @@
           <p:cNvPr id="4" name="内容占位符 3">
             <a:extLst>
               <a:ext uri="{FF2B5EF4-FFF2-40B4-BE49-F238E27FC236}">
-                <a16:creationId xmlns:a16="http://schemas.microsoft.com/office/drawing/2014/main" id="{CFE43D21-4799-A361-2CCD-313B69DD7DC8}"/>
+                <a16:creationId xmlns:a16="http://schemas.microsoft.com/office/drawing/2014/main" id="{775FE334-CDE3-00BC-50E5-C30BA6E87B47}"/>
               </a:ext>
             </a:extLst>
           </p:cNvPr>
@@ -1380,7 +1380,7 @@
           <p:cNvPr id="5" name="日期占位符 4">
             <a:extLst>
               <a:ext uri="{FF2B5EF4-FFF2-40B4-BE49-F238E27FC236}">
-                <a16:creationId xmlns:a16="http://schemas.microsoft.com/office/drawing/2014/main" id="{AF5211C4-8677-702E-B7E1-198F4D5E0408}"/>
+                <a16:creationId xmlns:a16="http://schemas.microsoft.com/office/drawing/2014/main" id="{3783E7CA-26BA-301D-F2A1-238DFB2057E9}"/>
               </a:ext>
             </a:extLst>
           </p:cNvPr>
@@ -1396,7 +1396,7 @@
           <a:bodyPr/>
           <a:lstStyle/>
           <a:p>
-            <a:fld id="{B60FD099-CF91-40FE-881E-FCBEC10D886F}" type="datetimeFigureOut">
+            <a:fld id="{7B52EA95-32DE-422A-BF43-6F5334E5691E}" type="datetimeFigureOut">
               <a:rPr lang="zh-CN" altLang="en-US" smtClean="0"/>
               <a:t>2024/3/10</a:t>
             </a:fld>
@@ -1409,7 +1409,7 @@
           <p:cNvPr id="6" name="页脚占位符 5">
             <a:extLst>
               <a:ext uri="{FF2B5EF4-FFF2-40B4-BE49-F238E27FC236}">
-                <a16:creationId xmlns:a16="http://schemas.microsoft.com/office/drawing/2014/main" id="{397DEA38-7F52-8AED-6CBA-D62F436573A9}"/>
+                <a16:creationId xmlns:a16="http://schemas.microsoft.com/office/drawing/2014/main" id="{A8C059E3-14D8-0319-8B69-0249C9111FA6}"/>
               </a:ext>
             </a:extLst>
           </p:cNvPr>
@@ -1434,7 +1434,7 @@
           <p:cNvPr id="7" name="灯片编号占位符 6">
             <a:extLst>
               <a:ext uri="{FF2B5EF4-FFF2-40B4-BE49-F238E27FC236}">
-                <a16:creationId xmlns:a16="http://schemas.microsoft.com/office/drawing/2014/main" id="{F1F60070-B87A-6ABB-FF8A-F5AE7D2BDD51}"/>
+                <a16:creationId xmlns:a16="http://schemas.microsoft.com/office/drawing/2014/main" id="{0AF1A48E-A1B7-659C-CC6B-82797D1A570B}"/>
               </a:ext>
             </a:extLst>
           </p:cNvPr>
@@ -1450,7 +1450,7 @@
           <a:bodyPr/>
           <a:lstStyle/>
           <a:p>
-            <a:fld id="{BF960D90-E251-4E7A-9CDA-B9044989E72D}" type="slidenum">
+            <a:fld id="{A4239910-6083-4D39-AD30-535B8B94CD1F}" type="slidenum">
               <a:rPr lang="zh-CN" altLang="en-US" smtClean="0"/>
               <a:t>‹#›</a:t>
             </a:fld>
@@ -1461,7 +1461,7 @@
     </p:spTree>
     <p:extLst>
       <p:ext uri="{BB962C8B-B14F-4D97-AF65-F5344CB8AC3E}">
-        <p14:creationId xmlns:p14="http://schemas.microsoft.com/office/powerpoint/2010/main" val="1783598074"/>
+        <p14:creationId xmlns:p14="http://schemas.microsoft.com/office/powerpoint/2010/main" val="4181875393"/>
       </p:ext>
     </p:extLst>
   </p:cSld>
@@ -1493,7 +1493,7 @@
           <p:cNvPr id="2" name="标题 1">
             <a:extLst>
               <a:ext uri="{FF2B5EF4-FFF2-40B4-BE49-F238E27FC236}">
-                <a16:creationId xmlns:a16="http://schemas.microsoft.com/office/drawing/2014/main" id="{34D86FBE-E0EF-DC84-89E7-146843DDB2B8}"/>
+                <a16:creationId xmlns:a16="http://schemas.microsoft.com/office/drawing/2014/main" id="{F85EC503-6156-DFA6-FEDC-CFF6948F846E}"/>
               </a:ext>
             </a:extLst>
           </p:cNvPr>
@@ -1526,7 +1526,7 @@
           <p:cNvPr id="3" name="文本占位符 2">
             <a:extLst>
               <a:ext uri="{FF2B5EF4-FFF2-40B4-BE49-F238E27FC236}">
-                <a16:creationId xmlns:a16="http://schemas.microsoft.com/office/drawing/2014/main" id="{B3516D85-907B-BAD1-361C-4B4755756BC2}"/>
+                <a16:creationId xmlns:a16="http://schemas.microsoft.com/office/drawing/2014/main" id="{B9C6BEF4-07DB-C093-478F-08A87E4A7E6F}"/>
               </a:ext>
             </a:extLst>
           </p:cNvPr>
@@ -1597,7 +1597,7 @@
           <p:cNvPr id="4" name="内容占位符 3">
             <a:extLst>
               <a:ext uri="{FF2B5EF4-FFF2-40B4-BE49-F238E27FC236}">
-                <a16:creationId xmlns:a16="http://schemas.microsoft.com/office/drawing/2014/main" id="{C0916144-A737-A03C-5306-198AB2B8A33D}"/>
+                <a16:creationId xmlns:a16="http://schemas.microsoft.com/office/drawing/2014/main" id="{0024290C-109F-AA6B-53EE-3626378F2359}"/>
               </a:ext>
             </a:extLst>
           </p:cNvPr>
@@ -1659,7 +1659,7 @@
           <p:cNvPr id="5" name="文本占位符 4">
             <a:extLst>
               <a:ext uri="{FF2B5EF4-FFF2-40B4-BE49-F238E27FC236}">
-                <a16:creationId xmlns:a16="http://schemas.microsoft.com/office/drawing/2014/main" id="{15D8C233-6F8A-EE04-156F-1D9302022668}"/>
+                <a16:creationId xmlns:a16="http://schemas.microsoft.com/office/drawing/2014/main" id="{7C174987-B3F8-A57B-A66B-5D20430FFFC3}"/>
               </a:ext>
             </a:extLst>
           </p:cNvPr>
@@ -1730,7 +1730,7 @@
           <p:cNvPr id="6" name="内容占位符 5">
             <a:extLst>
               <a:ext uri="{FF2B5EF4-FFF2-40B4-BE49-F238E27FC236}">
-                <a16:creationId xmlns:a16="http://schemas.microsoft.com/office/drawing/2014/main" id="{3DA82397-F0D2-8A7D-9BEA-8B53C0F76671}"/>
+                <a16:creationId xmlns:a16="http://schemas.microsoft.com/office/drawing/2014/main" id="{148C3108-ECBC-70D5-287F-70D643F9F31B}"/>
               </a:ext>
             </a:extLst>
           </p:cNvPr>
@@ -1792,7 +1792,7 @@
           <p:cNvPr id="7" name="日期占位符 6">
             <a:extLst>
               <a:ext uri="{FF2B5EF4-FFF2-40B4-BE49-F238E27FC236}">
-                <a16:creationId xmlns:a16="http://schemas.microsoft.com/office/drawing/2014/main" id="{206D2924-451F-C568-DA37-5E5A97C3A3DA}"/>
+                <a16:creationId xmlns:a16="http://schemas.microsoft.com/office/drawing/2014/main" id="{80C97343-33C3-31E7-E5C7-4E69AE6452B8}"/>
               </a:ext>
             </a:extLst>
           </p:cNvPr>
@@ -1808,7 +1808,7 @@
           <a:bodyPr/>
           <a:lstStyle/>
           <a:p>
-            <a:fld id="{B60FD099-CF91-40FE-881E-FCBEC10D886F}" type="datetimeFigureOut">
+            <a:fld id="{7B52EA95-32DE-422A-BF43-6F5334E5691E}" type="datetimeFigureOut">
               <a:rPr lang="zh-CN" altLang="en-US" smtClean="0"/>
               <a:t>2024/3/10</a:t>
             </a:fld>
@@ -1821,7 +1821,7 @@
           <p:cNvPr id="8" name="页脚占位符 7">
             <a:extLst>
               <a:ext uri="{FF2B5EF4-FFF2-40B4-BE49-F238E27FC236}">
-                <a16:creationId xmlns:a16="http://schemas.microsoft.com/office/drawing/2014/main" id="{F1ECA086-2F84-4B18-9A53-B0F5A8D2F8FE}"/>
+                <a16:creationId xmlns:a16="http://schemas.microsoft.com/office/drawing/2014/main" id="{A31F2CE7-2F80-7791-79FF-0002E6B6EF4F}"/>
               </a:ext>
             </a:extLst>
           </p:cNvPr>
@@ -1846,7 +1846,7 @@
           <p:cNvPr id="9" name="灯片编号占位符 8">
             <a:extLst>
               <a:ext uri="{FF2B5EF4-FFF2-40B4-BE49-F238E27FC236}">
-                <a16:creationId xmlns:a16="http://schemas.microsoft.com/office/drawing/2014/main" id="{FCC1D83D-ED3A-A44D-9DE9-E1390B670CA0}"/>
+                <a16:creationId xmlns:a16="http://schemas.microsoft.com/office/drawing/2014/main" id="{93D8BCEA-884C-5BA8-90B3-AA471A918E39}"/>
               </a:ext>
             </a:extLst>
           </p:cNvPr>
@@ -1862,7 +1862,7 @@
           <a:bodyPr/>
           <a:lstStyle/>
           <a:p>
-            <a:fld id="{BF960D90-E251-4E7A-9CDA-B9044989E72D}" type="slidenum">
+            <a:fld id="{A4239910-6083-4D39-AD30-535B8B94CD1F}" type="slidenum">
               <a:rPr lang="zh-CN" altLang="en-US" smtClean="0"/>
               <a:t>‹#›</a:t>
             </a:fld>
@@ -1873,7 +1873,7 @@
     </p:spTree>
     <p:extLst>
       <p:ext uri="{BB962C8B-B14F-4D97-AF65-F5344CB8AC3E}">
-        <p14:creationId xmlns:p14="http://schemas.microsoft.com/office/powerpoint/2010/main" val="1822801712"/>
+        <p14:creationId xmlns:p14="http://schemas.microsoft.com/office/powerpoint/2010/main" val="3540132446"/>
       </p:ext>
     </p:extLst>
   </p:cSld>
@@ -1905,7 +1905,7 @@
           <p:cNvPr id="2" name="标题 1">
             <a:extLst>
               <a:ext uri="{FF2B5EF4-FFF2-40B4-BE49-F238E27FC236}">
-                <a16:creationId xmlns:a16="http://schemas.microsoft.com/office/drawing/2014/main" id="{17404999-03D8-461E-4775-3D4F0E32A39F}"/>
+                <a16:creationId xmlns:a16="http://schemas.microsoft.com/office/drawing/2014/main" id="{7F5875A8-21A2-A5FF-BD91-7E237C52C7E0}"/>
               </a:ext>
             </a:extLst>
           </p:cNvPr>
@@ -1933,7 +1933,7 @@
           <p:cNvPr id="3" name="日期占位符 2">
             <a:extLst>
               <a:ext uri="{FF2B5EF4-FFF2-40B4-BE49-F238E27FC236}">
-                <a16:creationId xmlns:a16="http://schemas.microsoft.com/office/drawing/2014/main" id="{B110E7C5-27AB-6CA4-E453-DED15F3A8BC9}"/>
+                <a16:creationId xmlns:a16="http://schemas.microsoft.com/office/drawing/2014/main" id="{31D753D4-1BCE-FC0E-5D7F-92B6793E233A}"/>
               </a:ext>
             </a:extLst>
           </p:cNvPr>
@@ -1949,7 +1949,7 @@
           <a:bodyPr/>
           <a:lstStyle/>
           <a:p>
-            <a:fld id="{B60FD099-CF91-40FE-881E-FCBEC10D886F}" type="datetimeFigureOut">
+            <a:fld id="{7B52EA95-32DE-422A-BF43-6F5334E5691E}" type="datetimeFigureOut">
               <a:rPr lang="zh-CN" altLang="en-US" smtClean="0"/>
               <a:t>2024/3/10</a:t>
             </a:fld>
@@ -1962,7 +1962,7 @@
           <p:cNvPr id="4" name="页脚占位符 3">
             <a:extLst>
               <a:ext uri="{FF2B5EF4-FFF2-40B4-BE49-F238E27FC236}">
-                <a16:creationId xmlns:a16="http://schemas.microsoft.com/office/drawing/2014/main" id="{80CA234D-D3A1-C134-D33F-ECC315E71AAE}"/>
+                <a16:creationId xmlns:a16="http://schemas.microsoft.com/office/drawing/2014/main" id="{A10D012C-A3A3-5AC7-24FC-A0A4157A33A1}"/>
               </a:ext>
             </a:extLst>
           </p:cNvPr>
@@ -1987,7 +1987,7 @@
           <p:cNvPr id="5" name="灯片编号占位符 4">
             <a:extLst>
               <a:ext uri="{FF2B5EF4-FFF2-40B4-BE49-F238E27FC236}">
-                <a16:creationId xmlns:a16="http://schemas.microsoft.com/office/drawing/2014/main" id="{9D668D3F-F46F-DE52-77D3-6BC1D966E229}"/>
+                <a16:creationId xmlns:a16="http://schemas.microsoft.com/office/drawing/2014/main" id="{2248C91A-9505-7425-FD4F-BF607EBAB426}"/>
               </a:ext>
             </a:extLst>
           </p:cNvPr>
@@ -2003,7 +2003,7 @@
           <a:bodyPr/>
           <a:lstStyle/>
           <a:p>
-            <a:fld id="{BF960D90-E251-4E7A-9CDA-B9044989E72D}" type="slidenum">
+            <a:fld id="{A4239910-6083-4D39-AD30-535B8B94CD1F}" type="slidenum">
               <a:rPr lang="zh-CN" altLang="en-US" smtClean="0"/>
               <a:t>‹#›</a:t>
             </a:fld>
@@ -2014,7 +2014,7 @@
     </p:spTree>
     <p:extLst>
       <p:ext uri="{BB962C8B-B14F-4D97-AF65-F5344CB8AC3E}">
-        <p14:creationId xmlns:p14="http://schemas.microsoft.com/office/powerpoint/2010/main" val="3622774105"/>
+        <p14:creationId xmlns:p14="http://schemas.microsoft.com/office/powerpoint/2010/main" val="3241553810"/>
       </p:ext>
     </p:extLst>
   </p:cSld>
@@ -2046,7 +2046,7 @@
           <p:cNvPr id="2" name="日期占位符 1">
             <a:extLst>
               <a:ext uri="{FF2B5EF4-FFF2-40B4-BE49-F238E27FC236}">
-                <a16:creationId xmlns:a16="http://schemas.microsoft.com/office/drawing/2014/main" id="{A4E31199-19DB-9D80-6701-A11F916EF56F}"/>
+                <a16:creationId xmlns:a16="http://schemas.microsoft.com/office/drawing/2014/main" id="{3E96CECC-0EF1-52E4-04A8-B6DF81AA6CF0}"/>
               </a:ext>
             </a:extLst>
           </p:cNvPr>
@@ -2062,7 +2062,7 @@
           <a:bodyPr/>
           <a:lstStyle/>
           <a:p>
-            <a:fld id="{B60FD099-CF91-40FE-881E-FCBEC10D886F}" type="datetimeFigureOut">
+            <a:fld id="{7B52EA95-32DE-422A-BF43-6F5334E5691E}" type="datetimeFigureOut">
               <a:rPr lang="zh-CN" altLang="en-US" smtClean="0"/>
               <a:t>2024/3/10</a:t>
             </a:fld>
@@ -2075,7 +2075,7 @@
           <p:cNvPr id="3" name="页脚占位符 2">
             <a:extLst>
               <a:ext uri="{FF2B5EF4-FFF2-40B4-BE49-F238E27FC236}">
-                <a16:creationId xmlns:a16="http://schemas.microsoft.com/office/drawing/2014/main" id="{E66548C8-5F35-B2DA-61FA-E95BA2C9CE47}"/>
+                <a16:creationId xmlns:a16="http://schemas.microsoft.com/office/drawing/2014/main" id="{26702851-287B-E024-00C1-3DE3DBE460B5}"/>
               </a:ext>
             </a:extLst>
           </p:cNvPr>
@@ -2100,7 +2100,7 @@
           <p:cNvPr id="4" name="灯片编号占位符 3">
             <a:extLst>
               <a:ext uri="{FF2B5EF4-FFF2-40B4-BE49-F238E27FC236}">
-                <a16:creationId xmlns:a16="http://schemas.microsoft.com/office/drawing/2014/main" id="{0910D848-E35E-1DD1-A16F-07B386DBC88A}"/>
+                <a16:creationId xmlns:a16="http://schemas.microsoft.com/office/drawing/2014/main" id="{CDECAE21-D3FD-EA88-05A9-AF36FF01A358}"/>
               </a:ext>
             </a:extLst>
           </p:cNvPr>
@@ -2116,7 +2116,7 @@
           <a:bodyPr/>
           <a:lstStyle/>
           <a:p>
-            <a:fld id="{BF960D90-E251-4E7A-9CDA-B9044989E72D}" type="slidenum">
+            <a:fld id="{A4239910-6083-4D39-AD30-535B8B94CD1F}" type="slidenum">
               <a:rPr lang="zh-CN" altLang="en-US" smtClean="0"/>
               <a:t>‹#›</a:t>
             </a:fld>
@@ -2127,7 +2127,7 @@
     </p:spTree>
     <p:extLst>
       <p:ext uri="{BB962C8B-B14F-4D97-AF65-F5344CB8AC3E}">
-        <p14:creationId xmlns:p14="http://schemas.microsoft.com/office/powerpoint/2010/main" val="1034579625"/>
+        <p14:creationId xmlns:p14="http://schemas.microsoft.com/office/powerpoint/2010/main" val="1653979660"/>
       </p:ext>
     </p:extLst>
   </p:cSld>
@@ -2159,7 +2159,7 @@
           <p:cNvPr id="2" name="标题 1">
             <a:extLst>
               <a:ext uri="{FF2B5EF4-FFF2-40B4-BE49-F238E27FC236}">
-                <a16:creationId xmlns:a16="http://schemas.microsoft.com/office/drawing/2014/main" id="{ADF0972B-B827-A4F2-0024-B4C3B42869DE}"/>
+                <a16:creationId xmlns:a16="http://schemas.microsoft.com/office/drawing/2014/main" id="{F0DDA1A6-708B-8E5C-F274-42FFC986C947}"/>
               </a:ext>
             </a:extLst>
           </p:cNvPr>
@@ -2196,7 +2196,7 @@
           <p:cNvPr id="3" name="内容占位符 2">
             <a:extLst>
               <a:ext uri="{FF2B5EF4-FFF2-40B4-BE49-F238E27FC236}">
-                <a16:creationId xmlns:a16="http://schemas.microsoft.com/office/drawing/2014/main" id="{DE411EC0-EA63-3028-05BD-8D245CFC4321}"/>
+                <a16:creationId xmlns:a16="http://schemas.microsoft.com/office/drawing/2014/main" id="{6506D08C-1974-3851-F05A-A4E2E539642D}"/>
               </a:ext>
             </a:extLst>
           </p:cNvPr>
@@ -2286,7 +2286,7 @@
           <p:cNvPr id="4" name="文本占位符 3">
             <a:extLst>
               <a:ext uri="{FF2B5EF4-FFF2-40B4-BE49-F238E27FC236}">
-                <a16:creationId xmlns:a16="http://schemas.microsoft.com/office/drawing/2014/main" id="{4682439E-8A5B-CD7A-902F-35F5EB123951}"/>
+                <a16:creationId xmlns:a16="http://schemas.microsoft.com/office/drawing/2014/main" id="{E8D86F11-8B35-EB18-F6A2-E5E2794D7ADD}"/>
               </a:ext>
             </a:extLst>
           </p:cNvPr>
@@ -2357,7 +2357,7 @@
           <p:cNvPr id="5" name="日期占位符 4">
             <a:extLst>
               <a:ext uri="{FF2B5EF4-FFF2-40B4-BE49-F238E27FC236}">
-                <a16:creationId xmlns:a16="http://schemas.microsoft.com/office/drawing/2014/main" id="{964B3DFC-5953-946B-A490-334BE167A4B3}"/>
+                <a16:creationId xmlns:a16="http://schemas.microsoft.com/office/drawing/2014/main" id="{F44D05DC-6F52-90CF-7A17-28D675C1581E}"/>
               </a:ext>
             </a:extLst>
           </p:cNvPr>
@@ -2373,7 +2373,7 @@
           <a:bodyPr/>
           <a:lstStyle/>
           <a:p>
-            <a:fld id="{B60FD099-CF91-40FE-881E-FCBEC10D886F}" type="datetimeFigureOut">
+            <a:fld id="{7B52EA95-32DE-422A-BF43-6F5334E5691E}" type="datetimeFigureOut">
               <a:rPr lang="zh-CN" altLang="en-US" smtClean="0"/>
               <a:t>2024/3/10</a:t>
             </a:fld>
@@ -2386,7 +2386,7 @@
           <p:cNvPr id="6" name="页脚占位符 5">
             <a:extLst>
               <a:ext uri="{FF2B5EF4-FFF2-40B4-BE49-F238E27FC236}">
-                <a16:creationId xmlns:a16="http://schemas.microsoft.com/office/drawing/2014/main" id="{4ACE82A7-4E93-767B-1F72-444319EFF8BD}"/>
+                <a16:creationId xmlns:a16="http://schemas.microsoft.com/office/drawing/2014/main" id="{ED32ED92-4B34-B6D5-61E7-6CE936ADBA68}"/>
               </a:ext>
             </a:extLst>
           </p:cNvPr>
@@ -2411,7 +2411,7 @@
           <p:cNvPr id="7" name="灯片编号占位符 6">
             <a:extLst>
               <a:ext uri="{FF2B5EF4-FFF2-40B4-BE49-F238E27FC236}">
-                <a16:creationId xmlns:a16="http://schemas.microsoft.com/office/drawing/2014/main" id="{3F0E9DC0-A3E8-C0CE-CA69-F609E7271365}"/>
+                <a16:creationId xmlns:a16="http://schemas.microsoft.com/office/drawing/2014/main" id="{40B750EE-BF08-6E38-F9FB-B0A4CF5105F9}"/>
               </a:ext>
             </a:extLst>
           </p:cNvPr>
@@ -2427,7 +2427,7 @@
           <a:bodyPr/>
           <a:lstStyle/>
           <a:p>
-            <a:fld id="{BF960D90-E251-4E7A-9CDA-B9044989E72D}" type="slidenum">
+            <a:fld id="{A4239910-6083-4D39-AD30-535B8B94CD1F}" type="slidenum">
               <a:rPr lang="zh-CN" altLang="en-US" smtClean="0"/>
               <a:t>‹#›</a:t>
             </a:fld>
@@ -2438,7 +2438,7 @@
     </p:spTree>
     <p:extLst>
       <p:ext uri="{BB962C8B-B14F-4D97-AF65-F5344CB8AC3E}">
-        <p14:creationId xmlns:p14="http://schemas.microsoft.com/office/powerpoint/2010/main" val="1652364107"/>
+        <p14:creationId xmlns:p14="http://schemas.microsoft.com/office/powerpoint/2010/main" val="3911666405"/>
       </p:ext>
     </p:extLst>
   </p:cSld>
@@ -2470,7 +2470,7 @@
           <p:cNvPr id="2" name="标题 1">
             <a:extLst>
               <a:ext uri="{FF2B5EF4-FFF2-40B4-BE49-F238E27FC236}">
-                <a16:creationId xmlns:a16="http://schemas.microsoft.com/office/drawing/2014/main" id="{E835E055-E89C-C633-C828-B379E5E79284}"/>
+                <a16:creationId xmlns:a16="http://schemas.microsoft.com/office/drawing/2014/main" id="{67C0552A-95AB-E34D-B771-92C228838E55}"/>
               </a:ext>
             </a:extLst>
           </p:cNvPr>
@@ -2507,7 +2507,7 @@
           <p:cNvPr id="3" name="图片占位符 2">
             <a:extLst>
               <a:ext uri="{FF2B5EF4-FFF2-40B4-BE49-F238E27FC236}">
-                <a16:creationId xmlns:a16="http://schemas.microsoft.com/office/drawing/2014/main" id="{70F1E16C-5B2A-CD7D-3298-535DF787726C}"/>
+                <a16:creationId xmlns:a16="http://schemas.microsoft.com/office/drawing/2014/main" id="{FAD5AED8-9714-47E3-0F5F-7D2B09FFC755}"/>
               </a:ext>
             </a:extLst>
           </p:cNvPr>
@@ -2574,7 +2574,7 @@
           <p:cNvPr id="4" name="文本占位符 3">
             <a:extLst>
               <a:ext uri="{FF2B5EF4-FFF2-40B4-BE49-F238E27FC236}">
-                <a16:creationId xmlns:a16="http://schemas.microsoft.com/office/drawing/2014/main" id="{C224B440-B06F-6CF8-E345-A7ED63E1489B}"/>
+                <a16:creationId xmlns:a16="http://schemas.microsoft.com/office/drawing/2014/main" id="{9EAB0FB2-1507-E20F-9853-C761A3987D27}"/>
               </a:ext>
             </a:extLst>
           </p:cNvPr>
@@ -2645,7 +2645,7 @@
           <p:cNvPr id="5" name="日期占位符 4">
             <a:extLst>
               <a:ext uri="{FF2B5EF4-FFF2-40B4-BE49-F238E27FC236}">
-                <a16:creationId xmlns:a16="http://schemas.microsoft.com/office/drawing/2014/main" id="{376C14A9-6615-71CD-30A5-BCFA2A3E0B44}"/>
+                <a16:creationId xmlns:a16="http://schemas.microsoft.com/office/drawing/2014/main" id="{93A489A9-D80F-CC99-D132-2B14025D958D}"/>
               </a:ext>
             </a:extLst>
           </p:cNvPr>
@@ -2661,7 +2661,7 @@
           <a:bodyPr/>
           <a:lstStyle/>
           <a:p>
-            <a:fld id="{B60FD099-CF91-40FE-881E-FCBEC10D886F}" type="datetimeFigureOut">
+            <a:fld id="{7B52EA95-32DE-422A-BF43-6F5334E5691E}" type="datetimeFigureOut">
               <a:rPr lang="zh-CN" altLang="en-US" smtClean="0"/>
               <a:t>2024/3/10</a:t>
             </a:fld>
@@ -2674,7 +2674,7 @@
           <p:cNvPr id="6" name="页脚占位符 5">
             <a:extLst>
               <a:ext uri="{FF2B5EF4-FFF2-40B4-BE49-F238E27FC236}">
-                <a16:creationId xmlns:a16="http://schemas.microsoft.com/office/drawing/2014/main" id="{34A6F84B-8B70-B131-CF6F-7FBFFCA0F1F8}"/>
+                <a16:creationId xmlns:a16="http://schemas.microsoft.com/office/drawing/2014/main" id="{BE5DFAA0-152C-31A7-B98E-8755DFAC6A1E}"/>
               </a:ext>
             </a:extLst>
           </p:cNvPr>
@@ -2699,7 +2699,7 @@
           <p:cNvPr id="7" name="灯片编号占位符 6">
             <a:extLst>
               <a:ext uri="{FF2B5EF4-FFF2-40B4-BE49-F238E27FC236}">
-                <a16:creationId xmlns:a16="http://schemas.microsoft.com/office/drawing/2014/main" id="{85A4C3CF-BB4F-9977-80C6-0994DD904A13}"/>
+                <a16:creationId xmlns:a16="http://schemas.microsoft.com/office/drawing/2014/main" id="{70A23BC1-887C-961D-229F-485BAF8FDE2E}"/>
               </a:ext>
             </a:extLst>
           </p:cNvPr>
@@ -2715,7 +2715,7 @@
           <a:bodyPr/>
           <a:lstStyle/>
           <a:p>
-            <a:fld id="{BF960D90-E251-4E7A-9CDA-B9044989E72D}" type="slidenum">
+            <a:fld id="{A4239910-6083-4D39-AD30-535B8B94CD1F}" type="slidenum">
               <a:rPr lang="zh-CN" altLang="en-US" smtClean="0"/>
               <a:t>‹#›</a:t>
             </a:fld>
@@ -2726,7 +2726,7 @@
     </p:spTree>
     <p:extLst>
       <p:ext uri="{BB962C8B-B14F-4D97-AF65-F5344CB8AC3E}">
-        <p14:creationId xmlns:p14="http://schemas.microsoft.com/office/powerpoint/2010/main" val="3911414041"/>
+        <p14:creationId xmlns:p14="http://schemas.microsoft.com/office/powerpoint/2010/main" val="1797765387"/>
       </p:ext>
     </p:extLst>
   </p:cSld>
@@ -2763,7 +2763,7 @@
           <p:cNvPr id="2" name="标题占位符 1">
             <a:extLst>
               <a:ext uri="{FF2B5EF4-FFF2-40B4-BE49-F238E27FC236}">
-                <a16:creationId xmlns:a16="http://schemas.microsoft.com/office/drawing/2014/main" id="{A0D12371-137B-A33F-0A9D-5993C1124E31}"/>
+                <a16:creationId xmlns:a16="http://schemas.microsoft.com/office/drawing/2014/main" id="{323B4B74-F13E-D3FB-788B-A1B0FCB53C40}"/>
               </a:ext>
             </a:extLst>
           </p:cNvPr>
@@ -2801,7 +2801,7 @@
           <p:cNvPr id="3" name="文本占位符 2">
             <a:extLst>
               <a:ext uri="{FF2B5EF4-FFF2-40B4-BE49-F238E27FC236}">
-                <a16:creationId xmlns:a16="http://schemas.microsoft.com/office/drawing/2014/main" id="{50AEB397-E3DD-2B63-0001-07CEBFAA11FD}"/>
+                <a16:creationId xmlns:a16="http://schemas.microsoft.com/office/drawing/2014/main" id="{6FC9749E-E326-B409-EC35-DF22B2AA00B6}"/>
               </a:ext>
             </a:extLst>
           </p:cNvPr>
@@ -2868,7 +2868,7 @@
           <p:cNvPr id="4" name="日期占位符 3">
             <a:extLst>
               <a:ext uri="{FF2B5EF4-FFF2-40B4-BE49-F238E27FC236}">
-                <a16:creationId xmlns:a16="http://schemas.microsoft.com/office/drawing/2014/main" id="{71461B4B-04AC-2522-CC7C-74A9B9CA54C0}"/>
+                <a16:creationId xmlns:a16="http://schemas.microsoft.com/office/drawing/2014/main" id="{36763468-8E79-8074-E8A6-1F8006BEAABC}"/>
               </a:ext>
             </a:extLst>
           </p:cNvPr>
@@ -2902,7 +2902,7 @@
             </a:lvl1pPr>
           </a:lstStyle>
           <a:p>
-            <a:fld id="{B60FD099-CF91-40FE-881E-FCBEC10D886F}" type="datetimeFigureOut">
+            <a:fld id="{7B52EA95-32DE-422A-BF43-6F5334E5691E}" type="datetimeFigureOut">
               <a:rPr lang="zh-CN" altLang="en-US" smtClean="0"/>
               <a:t>2024/3/10</a:t>
             </a:fld>
@@ -2915,7 +2915,7 @@
           <p:cNvPr id="5" name="页脚占位符 4">
             <a:extLst>
               <a:ext uri="{FF2B5EF4-FFF2-40B4-BE49-F238E27FC236}">
-                <a16:creationId xmlns:a16="http://schemas.microsoft.com/office/drawing/2014/main" id="{AB760C7B-6A7D-08E3-4A28-D08C2A22D493}"/>
+                <a16:creationId xmlns:a16="http://schemas.microsoft.com/office/drawing/2014/main" id="{8A0F9299-72DB-A178-12A4-C49F13AC427A}"/>
               </a:ext>
             </a:extLst>
           </p:cNvPr>
@@ -2958,7 +2958,7 @@
           <p:cNvPr id="6" name="灯片编号占位符 5">
             <a:extLst>
               <a:ext uri="{FF2B5EF4-FFF2-40B4-BE49-F238E27FC236}">
-                <a16:creationId xmlns:a16="http://schemas.microsoft.com/office/drawing/2014/main" id="{A68F259D-F02E-57F7-B92D-2058833E1860}"/>
+                <a16:creationId xmlns:a16="http://schemas.microsoft.com/office/drawing/2014/main" id="{3483E793-F161-747A-0654-C26A32677107}"/>
               </a:ext>
             </a:extLst>
           </p:cNvPr>
@@ -2992,7 +2992,7 @@
             </a:lvl1pPr>
           </a:lstStyle>
           <a:p>
-            <a:fld id="{BF960D90-E251-4E7A-9CDA-B9044989E72D}" type="slidenum">
+            <a:fld id="{A4239910-6083-4D39-AD30-535B8B94CD1F}" type="slidenum">
               <a:rPr lang="zh-CN" altLang="en-US" smtClean="0"/>
               <a:t>‹#›</a:t>
             </a:fld>
@@ -3003,7 +3003,7 @@
     </p:spTree>
     <p:extLst>
       <p:ext uri="{BB962C8B-B14F-4D97-AF65-F5344CB8AC3E}">
-        <p14:creationId xmlns:p14="http://schemas.microsoft.com/office/powerpoint/2010/main" val="457563294"/>
+        <p14:creationId xmlns:p14="http://schemas.microsoft.com/office/powerpoint/2010/main" val="2617319273"/>
       </p:ext>
     </p:extLst>
   </p:cSld>
